--- a/Presentation/Phase Transitions of Argon.pptx
+++ b/Presentation/Phase Transitions of Argon.pptx
@@ -3633,8 +3633,8 @@
         </p:nvSpPr>
         <p:spPr>
           <a:xfrm>
-            <a:off x="154332" y="1497348"/>
-            <a:ext cx="5545012" cy="3170099"/>
+            <a:off x="285832" y="1728842"/>
+            <a:ext cx="4193571" cy="3539430"/>
           </a:xfrm>
           <a:prstGeom prst="rect">
             <a:avLst/>
@@ -3652,20 +3652,21 @@
               <a:buChar char="•"/>
             </a:pPr>
             <a:r>
-              <a:rPr lang="en-GB" sz="4000" dirty="0"/>
-              <a:t>Simulate phase transition </a:t>
-            </a:r>
-            <a:r>
-              <a:rPr lang="en-GB" sz="4000"/>
-              <a:t>of substance</a:t>
-            </a:r>
+              <a:rPr lang="en-GB" sz="3200" dirty="0"/>
+              <a:t>Simulate phase transition of substance with </a:t>
+            </a:r>
+            <a:r>
+              <a:rPr lang="en-GB" sz="3200" dirty="0" err="1"/>
+              <a:t>gromacs</a:t>
+            </a:r>
+            <a:endParaRPr lang="en-GB" sz="3200" dirty="0"/>
           </a:p>
           <a:p>
             <a:pPr marL="457200" indent="-457200">
               <a:buFont typeface="Arial" panose="020B0604020202020204" pitchFamily="34" charset="0"/>
               <a:buChar char="•"/>
             </a:pPr>
-            <a:endParaRPr lang="en-GB" sz="4000" dirty="0"/>
+            <a:endParaRPr lang="en-GB" sz="3200" dirty="0"/>
           </a:p>
           <a:p>
             <a:pPr marL="457200" indent="-457200">
@@ -3673,8 +3674,8 @@
               <a:buChar char="•"/>
             </a:pPr>
             <a:r>
-              <a:rPr lang="en-GB" sz="4000" dirty="0"/>
-              <a:t>Observe potential energy changes</a:t>
+              <a:rPr lang="en-GB" sz="3200" dirty="0"/>
+              <a:t>Observe changes in potential energy</a:t>
             </a:r>
           </a:p>
         </p:txBody>
